--- a/Week9/W3.03. Create the Tables.pptx
+++ b/Week9/W3.03. Create the Tables.pptx
@@ -128,6 +128,35 @@
 </p:presentation>
 </file>
 
+<file path=ppt/changesInfos/changesInfo1.xml><?xml version="1.0" encoding="utf-8"?>
+<pc:chgInfo xmlns:a="http://schemas.openxmlformats.org/drawingml/2006/main" xmlns:r="http://schemas.openxmlformats.org/officeDocument/2006/relationships" xmlns:ac="http://schemas.microsoft.com/office/drawing/2013/main/command" xmlns:pc="http://schemas.microsoft.com/office/powerpoint/2013/main/command">
+  <pc:docChgLst>
+    <pc:chgData name="Charles Kiefriter" userId="a996b49251c4dfd2" providerId="LiveId" clId="{544BAF9F-B3BD-4386-BD8B-E4C3B4FB5EBB}"/>
+    <pc:docChg chg="modSld">
+      <pc:chgData name="Charles Kiefriter" userId="a996b49251c4dfd2" providerId="LiveId" clId="{544BAF9F-B3BD-4386-BD8B-E4C3B4FB5EBB}" dt="2024-02-14T00:18:15.025" v="0" actId="14100"/>
+      <pc:docMkLst>
+        <pc:docMk/>
+      </pc:docMkLst>
+      <pc:sldChg chg="modSp mod">
+        <pc:chgData name="Charles Kiefriter" userId="a996b49251c4dfd2" providerId="LiveId" clId="{544BAF9F-B3BD-4386-BD8B-E4C3B4FB5EBB}" dt="2024-02-14T00:18:15.025" v="0" actId="14100"/>
+        <pc:sldMkLst>
+          <pc:docMk/>
+          <pc:sldMk cId="528589110" sldId="257"/>
+        </pc:sldMkLst>
+        <pc:spChg chg="mod">
+          <ac:chgData name="Charles Kiefriter" userId="a996b49251c4dfd2" providerId="LiveId" clId="{544BAF9F-B3BD-4386-BD8B-E4C3B4FB5EBB}" dt="2024-02-14T00:18:15.025" v="0" actId="14100"/>
+          <ac:spMkLst>
+            <pc:docMk/>
+            <pc:sldMk cId="528589110" sldId="257"/>
+            <ac:spMk id="3" creationId="{E3887BFD-F023-4873-8258-787A7FBA43BF}"/>
+          </ac:spMkLst>
+        </pc:spChg>
+      </pc:sldChg>
+    </pc:docChg>
+  </pc:docChgLst>
+</pc:chgInfo>
+</file>
+
 <file path=ppt/notesMasters/notesMaster1.xml><?xml version="1.0" encoding="utf-8"?>
 <p:notesMaster xmlns:a="http://schemas.openxmlformats.org/drawingml/2006/main" xmlns:r="http://schemas.openxmlformats.org/officeDocument/2006/relationships" xmlns:p="http://schemas.openxmlformats.org/presentationml/2006/main">
   <p:cSld>
@@ -210,7 +239,7 @@
           <a:p>
             <a:fld id="{BF1BC3E4-C956-40CB-AFCD-8F927AFF366E}" type="datetimeFigureOut">
               <a:rPr lang="en-US" smtClean="0"/>
-              <a:t>1/5/2022</a:t>
+              <a:t>2/12/2024</a:t>
             </a:fld>
             <a:endParaRPr lang="en-US"/>
           </a:p>
@@ -721,7 +750,7 @@
           <a:p>
             <a:fld id="{548C5E67-172B-4F6A-B3B9-DEF72F952E5B}" type="datetimeFigureOut">
               <a:rPr lang="en-US" smtClean="0"/>
-              <a:t>1/5/2022</a:t>
+              <a:t>2/12/2024</a:t>
             </a:fld>
             <a:endParaRPr lang="en-US"/>
           </a:p>
@@ -925,7 +954,7 @@
           <a:p>
             <a:fld id="{548C5E67-172B-4F6A-B3B9-DEF72F952E5B}" type="datetimeFigureOut">
               <a:rPr lang="en-US" smtClean="0"/>
-              <a:t>1/5/2022</a:t>
+              <a:t>2/12/2024</a:t>
             </a:fld>
             <a:endParaRPr lang="en-US"/>
           </a:p>
@@ -1119,7 +1148,7 @@
           <a:p>
             <a:fld id="{548C5E67-172B-4F6A-B3B9-DEF72F952E5B}" type="datetimeFigureOut">
               <a:rPr lang="en-US" smtClean="0"/>
-              <a:t>1/5/2022</a:t>
+              <a:t>2/12/2024</a:t>
             </a:fld>
             <a:endParaRPr lang="en-US"/>
           </a:p>
@@ -2164,7 +2193,7 @@
           <a:p>
             <a:fld id="{548C5E67-172B-4F6A-B3B9-DEF72F952E5B}" type="datetimeFigureOut">
               <a:rPr lang="en-US" smtClean="0"/>
-              <a:t>1/5/2022</a:t>
+              <a:t>2/12/2024</a:t>
             </a:fld>
             <a:endParaRPr lang="en-US"/>
           </a:p>
@@ -2445,7 +2474,7 @@
           <a:p>
             <a:fld id="{548C5E67-172B-4F6A-B3B9-DEF72F952E5B}" type="datetimeFigureOut">
               <a:rPr lang="en-US" smtClean="0"/>
-              <a:t>1/5/2022</a:t>
+              <a:t>2/12/2024</a:t>
             </a:fld>
             <a:endParaRPr lang="en-US"/>
           </a:p>
@@ -3094,7 +3123,12 @@
             <p:ph idx="1"/>
           </p:nvPr>
         </p:nvSpPr>
-        <p:spPr/>
+        <p:spPr>
+          <a:xfrm>
+            <a:off x="838200" y="1825625"/>
+            <a:ext cx="10896600" cy="4351338"/>
+          </a:xfrm>
+        </p:spPr>
         <p:txBody>
           <a:bodyPr/>
           <a:lstStyle/>

--- a/Week9/W3.03. Create the Tables.pptx
+++ b/Week9/W3.03. Create the Tables.pptx
@@ -154,6 +154,38 @@
       </pc:sldChg>
     </pc:docChg>
   </pc:docChgLst>
+  <pc:docChgLst>
+    <pc:chgData name="Chuck Kiefriter" userId="a996b49251c4dfd2" providerId="LiveId" clId="{544BAF9F-B3BD-4386-BD8B-E4C3B4FB5EBB}"/>
+    <pc:docChg chg="modSld">
+      <pc:chgData name="Chuck Kiefriter" userId="a996b49251c4dfd2" providerId="LiveId" clId="{544BAF9F-B3BD-4386-BD8B-E4C3B4FB5EBB}" dt="2024-04-03T22:32:13.561" v="1" actId="14100"/>
+      <pc:docMkLst>
+        <pc:docMk/>
+      </pc:docMkLst>
+      <pc:sldChg chg="modSp mod">
+        <pc:chgData name="Chuck Kiefriter" userId="a996b49251c4dfd2" providerId="LiveId" clId="{544BAF9F-B3BD-4386-BD8B-E4C3B4FB5EBB}" dt="2024-04-03T22:32:13.561" v="1" actId="14100"/>
+        <pc:sldMkLst>
+          <pc:docMk/>
+          <pc:sldMk cId="1235720041" sldId="258"/>
+        </pc:sldMkLst>
+        <pc:spChg chg="mod">
+          <ac:chgData name="Chuck Kiefriter" userId="a996b49251c4dfd2" providerId="LiveId" clId="{544BAF9F-B3BD-4386-BD8B-E4C3B4FB5EBB}" dt="2024-04-03T22:32:07.313" v="0" actId="14100"/>
+          <ac:spMkLst>
+            <pc:docMk/>
+            <pc:sldMk cId="1235720041" sldId="258"/>
+            <ac:spMk id="3" creationId="{81BE0347-FBCE-4DDB-A3FA-8C4FE6DE3C15}"/>
+          </ac:spMkLst>
+        </pc:spChg>
+        <pc:spChg chg="mod">
+          <ac:chgData name="Chuck Kiefriter" userId="a996b49251c4dfd2" providerId="LiveId" clId="{544BAF9F-B3BD-4386-BD8B-E4C3B4FB5EBB}" dt="2024-04-03T22:32:13.561" v="1" actId="14100"/>
+          <ac:spMkLst>
+            <pc:docMk/>
+            <pc:sldMk cId="1235720041" sldId="258"/>
+            <ac:spMk id="5" creationId="{9FAF5AFD-6155-4D3F-911E-38CEEF7C1E98}"/>
+          </ac:spMkLst>
+        </pc:spChg>
+      </pc:sldChg>
+    </pc:docChg>
+  </pc:docChgLst>
 </pc:chgInfo>
 </file>
 
@@ -239,7 +271,7 @@
           <a:p>
             <a:fld id="{BF1BC3E4-C956-40CB-AFCD-8F927AFF366E}" type="datetimeFigureOut">
               <a:rPr lang="en-US" smtClean="0"/>
-              <a:t>2/12/2024</a:t>
+              <a:t>4/3/2024</a:t>
             </a:fld>
             <a:endParaRPr lang="en-US"/>
           </a:p>
@@ -750,7 +782,7 @@
           <a:p>
             <a:fld id="{548C5E67-172B-4F6A-B3B9-DEF72F952E5B}" type="datetimeFigureOut">
               <a:rPr lang="en-US" smtClean="0"/>
-              <a:t>2/12/2024</a:t>
+              <a:t>4/3/2024</a:t>
             </a:fld>
             <a:endParaRPr lang="en-US"/>
           </a:p>
@@ -954,7 +986,7 @@
           <a:p>
             <a:fld id="{548C5E67-172B-4F6A-B3B9-DEF72F952E5B}" type="datetimeFigureOut">
               <a:rPr lang="en-US" smtClean="0"/>
-              <a:t>2/12/2024</a:t>
+              <a:t>4/3/2024</a:t>
             </a:fld>
             <a:endParaRPr lang="en-US"/>
           </a:p>
@@ -1148,7 +1180,7 @@
           <a:p>
             <a:fld id="{548C5E67-172B-4F6A-B3B9-DEF72F952E5B}" type="datetimeFigureOut">
               <a:rPr lang="en-US" smtClean="0"/>
-              <a:t>2/12/2024</a:t>
+              <a:t>4/3/2024</a:t>
             </a:fld>
             <a:endParaRPr lang="en-US"/>
           </a:p>
@@ -2193,7 +2225,7 @@
           <a:p>
             <a:fld id="{548C5E67-172B-4F6A-B3B9-DEF72F952E5B}" type="datetimeFigureOut">
               <a:rPr lang="en-US" smtClean="0"/>
-              <a:t>2/12/2024</a:t>
+              <a:t>4/3/2024</a:t>
             </a:fld>
             <a:endParaRPr lang="en-US"/>
           </a:p>
@@ -2474,7 +2506,7 @@
           <a:p>
             <a:fld id="{548C5E67-172B-4F6A-B3B9-DEF72F952E5B}" type="datetimeFigureOut">
               <a:rPr lang="en-US" smtClean="0"/>
-              <a:t>2/12/2024</a:t>
+              <a:t>4/3/2024</a:t>
             </a:fld>
             <a:endParaRPr lang="en-US"/>
           </a:p>
@@ -3281,7 +3313,7 @@
         <p:spPr>
           <a:xfrm>
             <a:off x="838200" y="1943101"/>
-            <a:ext cx="6540500" cy="863600"/>
+            <a:ext cx="9000744" cy="863600"/>
           </a:xfrm>
         </p:spPr>
         <p:txBody>
@@ -3470,7 +3502,7 @@
         <p:spPr>
           <a:xfrm>
             <a:off x="838200" y="4968239"/>
-            <a:ext cx="6540500" cy="863600"/>
+            <a:ext cx="8132064" cy="863600"/>
           </a:xfrm>
           <a:prstGeom prst="rect">
             <a:avLst/>
@@ -3651,17 +3683,8 @@
             </a:pPr>
             <a:r>
               <a:rPr lang="en-US" dirty="0"/>
-              <a:t>For the homework you will just need </a:t>
-            </a:r>
-            <a:r>
-              <a:rPr lang="en-US" err="1"/>
-              <a:t>DaoBase</a:t>
-            </a:r>
-            <a:r>
-              <a:rPr lang="en-US"/>
-              <a:t>.java</a:t>
-            </a:r>
-            <a:endParaRPr lang="en-US" dirty="0"/>
+              <a:t>For the homework you will just need DaoBase.java</a:t>
+            </a:r>
           </a:p>
         </p:txBody>
       </p:sp>
